--- a/lab6/task1/lab6_task1_table.pptx
+++ b/lab6/task1/lab6_task1_table.pptx
@@ -105,6 +105,11 @@
       </a:defRPr>
     </a:lvl9pPr>
   </p:defaultTextStyle>
+  <p:extLst>
+    <p:ext uri="{EFAFB233-063F-42B5-8137-9DF3F51BA10A}">
+      <p15:sldGuideLst xmlns:p15="http://schemas.microsoft.com/office/powerpoint/2012/main"/>
+    </p:ext>
+  </p:extLst>
 </p:presentation>
 </file>
 
@@ -239,7 +244,7 @@
           <a:p>
             <a:fld id="{50E5446D-AD46-48A2-956F-94DBBDCE8E05}" type="datetimeFigureOut">
               <a:rPr lang="en-US" smtClean="0"/>
-              <a:t>10/12/2022</a:t>
+              <a:t>10/14/2022</a:t>
             </a:fld>
             <a:endParaRPr lang="en-US"/>
           </a:p>
@@ -409,7 +414,7 @@
           <a:p>
             <a:fld id="{50E5446D-AD46-48A2-956F-94DBBDCE8E05}" type="datetimeFigureOut">
               <a:rPr lang="en-US" smtClean="0"/>
-              <a:t>10/12/2022</a:t>
+              <a:t>10/14/2022</a:t>
             </a:fld>
             <a:endParaRPr lang="en-US"/>
           </a:p>
@@ -589,7 +594,7 @@
           <a:p>
             <a:fld id="{50E5446D-AD46-48A2-956F-94DBBDCE8E05}" type="datetimeFigureOut">
               <a:rPr lang="en-US" smtClean="0"/>
-              <a:t>10/12/2022</a:t>
+              <a:t>10/14/2022</a:t>
             </a:fld>
             <a:endParaRPr lang="en-US"/>
           </a:p>
@@ -759,7 +764,7 @@
           <a:p>
             <a:fld id="{50E5446D-AD46-48A2-956F-94DBBDCE8E05}" type="datetimeFigureOut">
               <a:rPr lang="en-US" smtClean="0"/>
-              <a:t>10/12/2022</a:t>
+              <a:t>10/14/2022</a:t>
             </a:fld>
             <a:endParaRPr lang="en-US"/>
           </a:p>
@@ -1005,7 +1010,7 @@
           <a:p>
             <a:fld id="{50E5446D-AD46-48A2-956F-94DBBDCE8E05}" type="datetimeFigureOut">
               <a:rPr lang="en-US" smtClean="0"/>
-              <a:t>10/12/2022</a:t>
+              <a:t>10/14/2022</a:t>
             </a:fld>
             <a:endParaRPr lang="en-US"/>
           </a:p>
@@ -1237,7 +1242,7 @@
           <a:p>
             <a:fld id="{50E5446D-AD46-48A2-956F-94DBBDCE8E05}" type="datetimeFigureOut">
               <a:rPr lang="en-US" smtClean="0"/>
-              <a:t>10/12/2022</a:t>
+              <a:t>10/14/2022</a:t>
             </a:fld>
             <a:endParaRPr lang="en-US"/>
           </a:p>
@@ -1604,7 +1609,7 @@
           <a:p>
             <a:fld id="{50E5446D-AD46-48A2-956F-94DBBDCE8E05}" type="datetimeFigureOut">
               <a:rPr lang="en-US" smtClean="0"/>
-              <a:t>10/12/2022</a:t>
+              <a:t>10/14/2022</a:t>
             </a:fld>
             <a:endParaRPr lang="en-US"/>
           </a:p>
@@ -1722,7 +1727,7 @@
           <a:p>
             <a:fld id="{50E5446D-AD46-48A2-956F-94DBBDCE8E05}" type="datetimeFigureOut">
               <a:rPr lang="en-US" smtClean="0"/>
-              <a:t>10/12/2022</a:t>
+              <a:t>10/14/2022</a:t>
             </a:fld>
             <a:endParaRPr lang="en-US"/>
           </a:p>
@@ -1817,7 +1822,7 @@
           <a:p>
             <a:fld id="{50E5446D-AD46-48A2-956F-94DBBDCE8E05}" type="datetimeFigureOut">
               <a:rPr lang="en-US" smtClean="0"/>
-              <a:t>10/12/2022</a:t>
+              <a:t>10/14/2022</a:t>
             </a:fld>
             <a:endParaRPr lang="en-US"/>
           </a:p>
@@ -2094,7 +2099,7 @@
           <a:p>
             <a:fld id="{50E5446D-AD46-48A2-956F-94DBBDCE8E05}" type="datetimeFigureOut">
               <a:rPr lang="en-US" smtClean="0"/>
-              <a:t>10/12/2022</a:t>
+              <a:t>10/14/2022</a:t>
             </a:fld>
             <a:endParaRPr lang="en-US"/>
           </a:p>
@@ -2347,7 +2352,7 @@
           <a:p>
             <a:fld id="{50E5446D-AD46-48A2-956F-94DBBDCE8E05}" type="datetimeFigureOut">
               <a:rPr lang="en-US" smtClean="0"/>
-              <a:t>10/12/2022</a:t>
+              <a:t>10/14/2022</a:t>
             </a:fld>
             <a:endParaRPr lang="en-US"/>
           </a:p>
@@ -2560,7 +2565,7 @@
           <a:p>
             <a:fld id="{50E5446D-AD46-48A2-956F-94DBBDCE8E05}" type="datetimeFigureOut">
               <a:rPr lang="en-US" smtClean="0"/>
-              <a:t>10/12/2022</a:t>
+              <a:t>10/14/2022</a:t>
             </a:fld>
             <a:endParaRPr lang="en-US"/>
           </a:p>
@@ -6535,7 +6540,67 @@
             </a:pPr>
             <a:r>
               <a:rPr lang="en-GB" sz="1200" dirty="0"/>
-              <a:t>The inverting input terminal of the op amp work as a summing amplifier for the ladder inputs.</a:t>
+              <a:t>The inverting input terminal of the op amp work as a summing amplifier for the ladder inputs</a:t>
+            </a:r>
+            <a:r>
+              <a:rPr lang="en-GB" sz="1200" dirty="0" smtClean="0"/>
+              <a:t>.</a:t>
+            </a:r>
+          </a:p>
+          <a:p>
+            <a:pPr marL="0" indent="0">
+              <a:buNone/>
+            </a:pPr>
+            <a:endParaRPr lang="en-GB" sz="1200" dirty="0"/>
+          </a:p>
+          <a:p>
+            <a:pPr marL="0" indent="0">
+              <a:buNone/>
+            </a:pPr>
+            <a:endParaRPr lang="en-GB" sz="1200" dirty="0" smtClean="0"/>
+          </a:p>
+          <a:p>
+            <a:pPr marL="0" indent="0">
+              <a:buNone/>
+            </a:pPr>
+            <a:r>
+              <a:rPr lang="en-GB" sz="1200" dirty="0" smtClean="0"/>
+              <a:t>Offset : -100</a:t>
+            </a:r>
+          </a:p>
+          <a:p>
+            <a:pPr marL="0" indent="0">
+              <a:buNone/>
+            </a:pPr>
+            <a:r>
+              <a:rPr lang="en-GB" sz="1200" dirty="0" smtClean="0"/>
+              <a:t>Gain : 1</a:t>
+            </a:r>
+          </a:p>
+          <a:p>
+            <a:pPr marL="0" indent="0">
+              <a:buNone/>
+            </a:pPr>
+            <a:r>
+              <a:rPr lang="en-GB" sz="1200" dirty="0" smtClean="0"/>
+              <a:t>Gain = </a:t>
+            </a:r>
+            <a:r>
+              <a:rPr lang="en-GB" sz="1200" dirty="0" err="1" smtClean="0"/>
+              <a:t>Vout</a:t>
+            </a:r>
+            <a:r>
+              <a:rPr lang="en-GB" sz="1200" dirty="0" smtClean="0"/>
+              <a:t>/Vin</a:t>
+            </a:r>
+          </a:p>
+          <a:p>
+            <a:pPr marL="0" indent="0">
+              <a:buNone/>
+            </a:pPr>
+            <a:r>
+              <a:rPr lang="en-GB" sz="1200" dirty="0" smtClean="0"/>
+              <a:t>LSB-step- 300mv</a:t>
             </a:r>
             <a:endParaRPr lang="en-US" sz="1200" dirty="0"/>
           </a:p>
